--- a/ppt 16-9/1543.世界美丽非常.pptx
+++ b/ppt 16-9/1543.世界美丽非常.pptx
@@ -5,7 +5,7 @@
     <p:sldMasterId id="2147483648" r:id="rId1"/>
   </p:sldMasterIdLst>
   <p:sldIdLst>
-    <p:sldId id="3392" r:id="rId2"/>
+    <p:sldId id="3393" r:id="rId2"/>
   </p:sldIdLst>
   <p:sldSz cx="12192000" cy="6858000"/>
   <p:notesSz cx="6858000" cy="9144000"/>
@@ -129,7 +129,7 @@
           <p:cNvPr id="2" name="标题 1">
             <a:extLst>
               <a:ext uri="{FF2B5EF4-FFF2-40B4-BE49-F238E27FC236}">
-                <a16:creationId xmlns:a16="http://schemas.microsoft.com/office/drawing/2014/main" id="{F574CCF6-1974-B1F7-4073-BD1D4C4C8A5B}"/>
+                <a16:creationId xmlns:a16="http://schemas.microsoft.com/office/drawing/2014/main" id="{876958E9-A54A-AA70-1095-46B624374ABF}"/>
               </a:ext>
             </a:extLst>
           </p:cNvPr>
@@ -166,7 +166,7 @@
           <p:cNvPr id="3" name="副标题 2">
             <a:extLst>
               <a:ext uri="{FF2B5EF4-FFF2-40B4-BE49-F238E27FC236}">
-                <a16:creationId xmlns:a16="http://schemas.microsoft.com/office/drawing/2014/main" id="{75C587EC-EF8D-44F5-C058-89FBCCDB191A}"/>
+                <a16:creationId xmlns:a16="http://schemas.microsoft.com/office/drawing/2014/main" id="{7E05DD56-2D82-FAD9-0594-F8842149B46D}"/>
               </a:ext>
             </a:extLst>
           </p:cNvPr>
@@ -236,7 +236,7 @@
           <p:cNvPr id="4" name="日期占位符 3">
             <a:extLst>
               <a:ext uri="{FF2B5EF4-FFF2-40B4-BE49-F238E27FC236}">
-                <a16:creationId xmlns:a16="http://schemas.microsoft.com/office/drawing/2014/main" id="{E5FB87C8-1A6E-6156-CCC7-76B458223565}"/>
+                <a16:creationId xmlns:a16="http://schemas.microsoft.com/office/drawing/2014/main" id="{65AE0F08-A8CC-8CEC-D3DB-55EFF9BB08E9}"/>
               </a:ext>
             </a:extLst>
           </p:cNvPr>
@@ -252,7 +252,7 @@
           <a:bodyPr/>
           <a:lstStyle/>
           <a:p>
-            <a:fld id="{D4299100-7A32-4196-9FB7-54E97756DE93}" type="datetimeFigureOut">
+            <a:fld id="{7D4A6774-19A9-4E0A-BBC0-B297D1DBF7B6}" type="datetimeFigureOut">
               <a:rPr lang="zh-CN" altLang="en-US" smtClean="0"/>
               <a:t>2024/3/10</a:t>
             </a:fld>
@@ -265,7 +265,7 @@
           <p:cNvPr id="5" name="页脚占位符 4">
             <a:extLst>
               <a:ext uri="{FF2B5EF4-FFF2-40B4-BE49-F238E27FC236}">
-                <a16:creationId xmlns:a16="http://schemas.microsoft.com/office/drawing/2014/main" id="{E07B7FF4-48D5-D06A-4658-42157797D535}"/>
+                <a16:creationId xmlns:a16="http://schemas.microsoft.com/office/drawing/2014/main" id="{D20A403E-57D3-AC26-19B2-55C914E72211}"/>
               </a:ext>
             </a:extLst>
           </p:cNvPr>
@@ -290,7 +290,7 @@
           <p:cNvPr id="6" name="灯片编号占位符 5">
             <a:extLst>
               <a:ext uri="{FF2B5EF4-FFF2-40B4-BE49-F238E27FC236}">
-                <a16:creationId xmlns:a16="http://schemas.microsoft.com/office/drawing/2014/main" id="{FF5FCC09-E69E-F645-EB5A-2741D282ACCE}"/>
+                <a16:creationId xmlns:a16="http://schemas.microsoft.com/office/drawing/2014/main" id="{A0C0270B-BAC5-5B17-C60E-7308028453EC}"/>
               </a:ext>
             </a:extLst>
           </p:cNvPr>
@@ -306,7 +306,7 @@
           <a:bodyPr/>
           <a:lstStyle/>
           <a:p>
-            <a:fld id="{8CD62D8B-A3AB-4696-B321-57785ADC1CE4}" type="slidenum">
+            <a:fld id="{F7B321FB-4C4D-4F2E-B54A-CCCC9835FA84}" type="slidenum">
               <a:rPr lang="zh-CN" altLang="en-US" smtClean="0"/>
               <a:t>‹#›</a:t>
             </a:fld>
@@ -317,7 +317,7 @@
     </p:spTree>
     <p:extLst>
       <p:ext uri="{BB962C8B-B14F-4D97-AF65-F5344CB8AC3E}">
-        <p14:creationId xmlns:p14="http://schemas.microsoft.com/office/powerpoint/2010/main" val="675105271"/>
+        <p14:creationId xmlns:p14="http://schemas.microsoft.com/office/powerpoint/2010/main" val="2481518067"/>
       </p:ext>
     </p:extLst>
   </p:cSld>
@@ -349,7 +349,7 @@
           <p:cNvPr id="2" name="标题 1">
             <a:extLst>
               <a:ext uri="{FF2B5EF4-FFF2-40B4-BE49-F238E27FC236}">
-                <a16:creationId xmlns:a16="http://schemas.microsoft.com/office/drawing/2014/main" id="{545EEC41-1DD0-96A5-0287-029D2BAE927E}"/>
+                <a16:creationId xmlns:a16="http://schemas.microsoft.com/office/drawing/2014/main" id="{F903BF72-31E1-0222-4081-42962A001472}"/>
               </a:ext>
             </a:extLst>
           </p:cNvPr>
@@ -377,7 +377,7 @@
           <p:cNvPr id="3" name="竖排文字占位符 2">
             <a:extLst>
               <a:ext uri="{FF2B5EF4-FFF2-40B4-BE49-F238E27FC236}">
-                <a16:creationId xmlns:a16="http://schemas.microsoft.com/office/drawing/2014/main" id="{C6094EC0-6270-4B8E-1463-8E851EEFE6F2}"/>
+                <a16:creationId xmlns:a16="http://schemas.microsoft.com/office/drawing/2014/main" id="{64CBA5C8-422F-B51E-B833-2C2003D39CFC}"/>
               </a:ext>
             </a:extLst>
           </p:cNvPr>
@@ -434,7 +434,7 @@
           <p:cNvPr id="4" name="日期占位符 3">
             <a:extLst>
               <a:ext uri="{FF2B5EF4-FFF2-40B4-BE49-F238E27FC236}">
-                <a16:creationId xmlns:a16="http://schemas.microsoft.com/office/drawing/2014/main" id="{4E02EB4F-6DB3-65D2-3933-F0EA08E90B60}"/>
+                <a16:creationId xmlns:a16="http://schemas.microsoft.com/office/drawing/2014/main" id="{55A12CAB-411F-1AFF-7CFD-D0C9E87A14C6}"/>
               </a:ext>
             </a:extLst>
           </p:cNvPr>
@@ -450,7 +450,7 @@
           <a:bodyPr/>
           <a:lstStyle/>
           <a:p>
-            <a:fld id="{D4299100-7A32-4196-9FB7-54E97756DE93}" type="datetimeFigureOut">
+            <a:fld id="{7D4A6774-19A9-4E0A-BBC0-B297D1DBF7B6}" type="datetimeFigureOut">
               <a:rPr lang="zh-CN" altLang="en-US" smtClean="0"/>
               <a:t>2024/3/10</a:t>
             </a:fld>
@@ -463,7 +463,7 @@
           <p:cNvPr id="5" name="页脚占位符 4">
             <a:extLst>
               <a:ext uri="{FF2B5EF4-FFF2-40B4-BE49-F238E27FC236}">
-                <a16:creationId xmlns:a16="http://schemas.microsoft.com/office/drawing/2014/main" id="{9E55FEDE-FF1B-E212-8051-F944A977BD67}"/>
+                <a16:creationId xmlns:a16="http://schemas.microsoft.com/office/drawing/2014/main" id="{E8C118F7-E260-301D-2882-9C701EDEA5FB}"/>
               </a:ext>
             </a:extLst>
           </p:cNvPr>
@@ -488,7 +488,7 @@
           <p:cNvPr id="6" name="灯片编号占位符 5">
             <a:extLst>
               <a:ext uri="{FF2B5EF4-FFF2-40B4-BE49-F238E27FC236}">
-                <a16:creationId xmlns:a16="http://schemas.microsoft.com/office/drawing/2014/main" id="{FB1F8291-8644-BF91-F4BE-E3A8A991C92C}"/>
+                <a16:creationId xmlns:a16="http://schemas.microsoft.com/office/drawing/2014/main" id="{A9695654-5230-757E-EC08-E10B206D172E}"/>
               </a:ext>
             </a:extLst>
           </p:cNvPr>
@@ -504,7 +504,7 @@
           <a:bodyPr/>
           <a:lstStyle/>
           <a:p>
-            <a:fld id="{8CD62D8B-A3AB-4696-B321-57785ADC1CE4}" type="slidenum">
+            <a:fld id="{F7B321FB-4C4D-4F2E-B54A-CCCC9835FA84}" type="slidenum">
               <a:rPr lang="zh-CN" altLang="en-US" smtClean="0"/>
               <a:t>‹#›</a:t>
             </a:fld>
@@ -515,7 +515,7 @@
     </p:spTree>
     <p:extLst>
       <p:ext uri="{BB962C8B-B14F-4D97-AF65-F5344CB8AC3E}">
-        <p14:creationId xmlns:p14="http://schemas.microsoft.com/office/powerpoint/2010/main" val="2523563561"/>
+        <p14:creationId xmlns:p14="http://schemas.microsoft.com/office/powerpoint/2010/main" val="1494038378"/>
       </p:ext>
     </p:extLst>
   </p:cSld>
@@ -547,7 +547,7 @@
           <p:cNvPr id="2" name="竖排标题 1">
             <a:extLst>
               <a:ext uri="{FF2B5EF4-FFF2-40B4-BE49-F238E27FC236}">
-                <a16:creationId xmlns:a16="http://schemas.microsoft.com/office/drawing/2014/main" id="{4ACDA73B-E891-300A-28BB-06F8DF93EAC1}"/>
+                <a16:creationId xmlns:a16="http://schemas.microsoft.com/office/drawing/2014/main" id="{6F982A4B-58E7-B9E8-CBE5-985643B2667B}"/>
               </a:ext>
             </a:extLst>
           </p:cNvPr>
@@ -580,7 +580,7 @@
           <p:cNvPr id="3" name="竖排文字占位符 2">
             <a:extLst>
               <a:ext uri="{FF2B5EF4-FFF2-40B4-BE49-F238E27FC236}">
-                <a16:creationId xmlns:a16="http://schemas.microsoft.com/office/drawing/2014/main" id="{B8968640-7135-2C83-2DDA-7E47FF45B137}"/>
+                <a16:creationId xmlns:a16="http://schemas.microsoft.com/office/drawing/2014/main" id="{0775665F-6039-612B-D8D8-36A01A3EA452}"/>
               </a:ext>
             </a:extLst>
           </p:cNvPr>
@@ -642,7 +642,7 @@
           <p:cNvPr id="4" name="日期占位符 3">
             <a:extLst>
               <a:ext uri="{FF2B5EF4-FFF2-40B4-BE49-F238E27FC236}">
-                <a16:creationId xmlns:a16="http://schemas.microsoft.com/office/drawing/2014/main" id="{9F88847B-94BA-242C-406C-B168F749346F}"/>
+                <a16:creationId xmlns:a16="http://schemas.microsoft.com/office/drawing/2014/main" id="{2BDD1E3A-8CDF-8911-BE48-C9F9759E3E23}"/>
               </a:ext>
             </a:extLst>
           </p:cNvPr>
@@ -658,7 +658,7 @@
           <a:bodyPr/>
           <a:lstStyle/>
           <a:p>
-            <a:fld id="{D4299100-7A32-4196-9FB7-54E97756DE93}" type="datetimeFigureOut">
+            <a:fld id="{7D4A6774-19A9-4E0A-BBC0-B297D1DBF7B6}" type="datetimeFigureOut">
               <a:rPr lang="zh-CN" altLang="en-US" smtClean="0"/>
               <a:t>2024/3/10</a:t>
             </a:fld>
@@ -671,7 +671,7 @@
           <p:cNvPr id="5" name="页脚占位符 4">
             <a:extLst>
               <a:ext uri="{FF2B5EF4-FFF2-40B4-BE49-F238E27FC236}">
-                <a16:creationId xmlns:a16="http://schemas.microsoft.com/office/drawing/2014/main" id="{47226C7D-0C72-7ECB-CB6D-D13F782A28FC}"/>
+                <a16:creationId xmlns:a16="http://schemas.microsoft.com/office/drawing/2014/main" id="{A67989A1-A1E5-A28F-425A-F0B8DD49F995}"/>
               </a:ext>
             </a:extLst>
           </p:cNvPr>
@@ -696,7 +696,7 @@
           <p:cNvPr id="6" name="灯片编号占位符 5">
             <a:extLst>
               <a:ext uri="{FF2B5EF4-FFF2-40B4-BE49-F238E27FC236}">
-                <a16:creationId xmlns:a16="http://schemas.microsoft.com/office/drawing/2014/main" id="{D05999A3-5724-1A8F-901B-121219E36B3C}"/>
+                <a16:creationId xmlns:a16="http://schemas.microsoft.com/office/drawing/2014/main" id="{E84DD298-083B-CB5C-CACB-8F0C71E33B1E}"/>
               </a:ext>
             </a:extLst>
           </p:cNvPr>
@@ -712,7 +712,7 @@
           <a:bodyPr/>
           <a:lstStyle/>
           <a:p>
-            <a:fld id="{8CD62D8B-A3AB-4696-B321-57785ADC1CE4}" type="slidenum">
+            <a:fld id="{F7B321FB-4C4D-4F2E-B54A-CCCC9835FA84}" type="slidenum">
               <a:rPr lang="zh-CN" altLang="en-US" smtClean="0"/>
               <a:t>‹#›</a:t>
             </a:fld>
@@ -723,7 +723,7 @@
     </p:spTree>
     <p:extLst>
       <p:ext uri="{BB962C8B-B14F-4D97-AF65-F5344CB8AC3E}">
-        <p14:creationId xmlns:p14="http://schemas.microsoft.com/office/powerpoint/2010/main" val="3160991223"/>
+        <p14:creationId xmlns:p14="http://schemas.microsoft.com/office/powerpoint/2010/main" val="2091013321"/>
       </p:ext>
     </p:extLst>
   </p:cSld>
@@ -755,7 +755,7 @@
           <p:cNvPr id="2" name="标题 1">
             <a:extLst>
               <a:ext uri="{FF2B5EF4-FFF2-40B4-BE49-F238E27FC236}">
-                <a16:creationId xmlns:a16="http://schemas.microsoft.com/office/drawing/2014/main" id="{69AC7924-BF54-D714-8F62-F7BF1B074F4A}"/>
+                <a16:creationId xmlns:a16="http://schemas.microsoft.com/office/drawing/2014/main" id="{CB7E989A-1F62-BE80-2875-D494CEE61037}"/>
               </a:ext>
             </a:extLst>
           </p:cNvPr>
@@ -783,7 +783,7 @@
           <p:cNvPr id="3" name="内容占位符 2">
             <a:extLst>
               <a:ext uri="{FF2B5EF4-FFF2-40B4-BE49-F238E27FC236}">
-                <a16:creationId xmlns:a16="http://schemas.microsoft.com/office/drawing/2014/main" id="{8FFC1766-AC6B-5453-9CEF-9EBF8A4193D8}"/>
+                <a16:creationId xmlns:a16="http://schemas.microsoft.com/office/drawing/2014/main" id="{D2542D67-04CE-0CEC-97A5-A7796B1658AA}"/>
               </a:ext>
             </a:extLst>
           </p:cNvPr>
@@ -840,7 +840,7 @@
           <p:cNvPr id="4" name="日期占位符 3">
             <a:extLst>
               <a:ext uri="{FF2B5EF4-FFF2-40B4-BE49-F238E27FC236}">
-                <a16:creationId xmlns:a16="http://schemas.microsoft.com/office/drawing/2014/main" id="{D154D8F1-F891-F9FA-1D02-DF1FE2C77C77}"/>
+                <a16:creationId xmlns:a16="http://schemas.microsoft.com/office/drawing/2014/main" id="{45C6AE1B-F729-4402-EFDE-EAC3B819270D}"/>
               </a:ext>
             </a:extLst>
           </p:cNvPr>
@@ -856,7 +856,7 @@
           <a:bodyPr/>
           <a:lstStyle/>
           <a:p>
-            <a:fld id="{D4299100-7A32-4196-9FB7-54E97756DE93}" type="datetimeFigureOut">
+            <a:fld id="{7D4A6774-19A9-4E0A-BBC0-B297D1DBF7B6}" type="datetimeFigureOut">
               <a:rPr lang="zh-CN" altLang="en-US" smtClean="0"/>
               <a:t>2024/3/10</a:t>
             </a:fld>
@@ -869,7 +869,7 @@
           <p:cNvPr id="5" name="页脚占位符 4">
             <a:extLst>
               <a:ext uri="{FF2B5EF4-FFF2-40B4-BE49-F238E27FC236}">
-                <a16:creationId xmlns:a16="http://schemas.microsoft.com/office/drawing/2014/main" id="{5C18E9A8-0D66-9102-01E0-6AF0A6F2CD7D}"/>
+                <a16:creationId xmlns:a16="http://schemas.microsoft.com/office/drawing/2014/main" id="{53806950-558F-DD54-F5F3-41452D63EAFE}"/>
               </a:ext>
             </a:extLst>
           </p:cNvPr>
@@ -894,7 +894,7 @@
           <p:cNvPr id="6" name="灯片编号占位符 5">
             <a:extLst>
               <a:ext uri="{FF2B5EF4-FFF2-40B4-BE49-F238E27FC236}">
-                <a16:creationId xmlns:a16="http://schemas.microsoft.com/office/drawing/2014/main" id="{719B70E3-E3F6-87B9-9892-AB668CA1D38E}"/>
+                <a16:creationId xmlns:a16="http://schemas.microsoft.com/office/drawing/2014/main" id="{4FE6FABF-E1B1-4B7B-4CB5-0EE0E745F87A}"/>
               </a:ext>
             </a:extLst>
           </p:cNvPr>
@@ -910,7 +910,7 @@
           <a:bodyPr/>
           <a:lstStyle/>
           <a:p>
-            <a:fld id="{8CD62D8B-A3AB-4696-B321-57785ADC1CE4}" type="slidenum">
+            <a:fld id="{F7B321FB-4C4D-4F2E-B54A-CCCC9835FA84}" type="slidenum">
               <a:rPr lang="zh-CN" altLang="en-US" smtClean="0"/>
               <a:t>‹#›</a:t>
             </a:fld>
@@ -921,7 +921,7 @@
     </p:spTree>
     <p:extLst>
       <p:ext uri="{BB962C8B-B14F-4D97-AF65-F5344CB8AC3E}">
-        <p14:creationId xmlns:p14="http://schemas.microsoft.com/office/powerpoint/2010/main" val="1436737766"/>
+        <p14:creationId xmlns:p14="http://schemas.microsoft.com/office/powerpoint/2010/main" val="893166932"/>
       </p:ext>
     </p:extLst>
   </p:cSld>
@@ -953,7 +953,7 @@
           <p:cNvPr id="2" name="标题 1">
             <a:extLst>
               <a:ext uri="{FF2B5EF4-FFF2-40B4-BE49-F238E27FC236}">
-                <a16:creationId xmlns:a16="http://schemas.microsoft.com/office/drawing/2014/main" id="{3E68B807-0B2E-3BEC-DB4B-32D689ED6ADF}"/>
+                <a16:creationId xmlns:a16="http://schemas.microsoft.com/office/drawing/2014/main" id="{AFA3DC2B-5870-7F15-BC1E-A7E2C6DDA31E}"/>
               </a:ext>
             </a:extLst>
           </p:cNvPr>
@@ -990,7 +990,7 @@
           <p:cNvPr id="3" name="文本占位符 2">
             <a:extLst>
               <a:ext uri="{FF2B5EF4-FFF2-40B4-BE49-F238E27FC236}">
-                <a16:creationId xmlns:a16="http://schemas.microsoft.com/office/drawing/2014/main" id="{6788FFFE-CAD3-D3E7-F4FB-BF74EEF2074D}"/>
+                <a16:creationId xmlns:a16="http://schemas.microsoft.com/office/drawing/2014/main" id="{6DF0FBD3-7F18-9472-9208-F408D8BDD79A}"/>
               </a:ext>
             </a:extLst>
           </p:cNvPr>
@@ -1115,7 +1115,7 @@
           <p:cNvPr id="4" name="日期占位符 3">
             <a:extLst>
               <a:ext uri="{FF2B5EF4-FFF2-40B4-BE49-F238E27FC236}">
-                <a16:creationId xmlns:a16="http://schemas.microsoft.com/office/drawing/2014/main" id="{BD30B7FD-72C5-38F2-23CF-5EC8FBD8730C}"/>
+                <a16:creationId xmlns:a16="http://schemas.microsoft.com/office/drawing/2014/main" id="{E0B02447-E4C0-253F-8A65-6FACDE21985B}"/>
               </a:ext>
             </a:extLst>
           </p:cNvPr>
@@ -1131,7 +1131,7 @@
           <a:bodyPr/>
           <a:lstStyle/>
           <a:p>
-            <a:fld id="{D4299100-7A32-4196-9FB7-54E97756DE93}" type="datetimeFigureOut">
+            <a:fld id="{7D4A6774-19A9-4E0A-BBC0-B297D1DBF7B6}" type="datetimeFigureOut">
               <a:rPr lang="zh-CN" altLang="en-US" smtClean="0"/>
               <a:t>2024/3/10</a:t>
             </a:fld>
@@ -1144,7 +1144,7 @@
           <p:cNvPr id="5" name="页脚占位符 4">
             <a:extLst>
               <a:ext uri="{FF2B5EF4-FFF2-40B4-BE49-F238E27FC236}">
-                <a16:creationId xmlns:a16="http://schemas.microsoft.com/office/drawing/2014/main" id="{9EF7AA85-1CEE-90F9-2EB1-98127AA114C9}"/>
+                <a16:creationId xmlns:a16="http://schemas.microsoft.com/office/drawing/2014/main" id="{6437F926-E0D4-2FC8-D541-A8A64C53CABA}"/>
               </a:ext>
             </a:extLst>
           </p:cNvPr>
@@ -1169,7 +1169,7 @@
           <p:cNvPr id="6" name="灯片编号占位符 5">
             <a:extLst>
               <a:ext uri="{FF2B5EF4-FFF2-40B4-BE49-F238E27FC236}">
-                <a16:creationId xmlns:a16="http://schemas.microsoft.com/office/drawing/2014/main" id="{9AC7BE01-63B3-0825-0036-368FFD8CC795}"/>
+                <a16:creationId xmlns:a16="http://schemas.microsoft.com/office/drawing/2014/main" id="{31B0CEFF-A26A-DE7C-5076-BCC14098EE17}"/>
               </a:ext>
             </a:extLst>
           </p:cNvPr>
@@ -1185,7 +1185,7 @@
           <a:bodyPr/>
           <a:lstStyle/>
           <a:p>
-            <a:fld id="{8CD62D8B-A3AB-4696-B321-57785ADC1CE4}" type="slidenum">
+            <a:fld id="{F7B321FB-4C4D-4F2E-B54A-CCCC9835FA84}" type="slidenum">
               <a:rPr lang="zh-CN" altLang="en-US" smtClean="0"/>
               <a:t>‹#›</a:t>
             </a:fld>
@@ -1196,7 +1196,7 @@
     </p:spTree>
     <p:extLst>
       <p:ext uri="{BB962C8B-B14F-4D97-AF65-F5344CB8AC3E}">
-        <p14:creationId xmlns:p14="http://schemas.microsoft.com/office/powerpoint/2010/main" val="1286606326"/>
+        <p14:creationId xmlns:p14="http://schemas.microsoft.com/office/powerpoint/2010/main" val="1431563615"/>
       </p:ext>
     </p:extLst>
   </p:cSld>
@@ -1228,7 +1228,7 @@
           <p:cNvPr id="2" name="标题 1">
             <a:extLst>
               <a:ext uri="{FF2B5EF4-FFF2-40B4-BE49-F238E27FC236}">
-                <a16:creationId xmlns:a16="http://schemas.microsoft.com/office/drawing/2014/main" id="{F9E6DE4A-9902-A805-AC54-2C15EB501368}"/>
+                <a16:creationId xmlns:a16="http://schemas.microsoft.com/office/drawing/2014/main" id="{381937EC-705B-5A76-D9C6-06E41D0429DB}"/>
               </a:ext>
             </a:extLst>
           </p:cNvPr>
@@ -1256,7 +1256,7 @@
           <p:cNvPr id="3" name="内容占位符 2">
             <a:extLst>
               <a:ext uri="{FF2B5EF4-FFF2-40B4-BE49-F238E27FC236}">
-                <a16:creationId xmlns:a16="http://schemas.microsoft.com/office/drawing/2014/main" id="{D6C90254-D380-5593-3AE9-56DE6AE8E759}"/>
+                <a16:creationId xmlns:a16="http://schemas.microsoft.com/office/drawing/2014/main" id="{7FAD69FF-5F01-5D01-3F6F-A5712288A070}"/>
               </a:ext>
             </a:extLst>
           </p:cNvPr>
@@ -1318,7 +1318,7 @@
           <p:cNvPr id="4" name="内容占位符 3">
             <a:extLst>
               <a:ext uri="{FF2B5EF4-FFF2-40B4-BE49-F238E27FC236}">
-                <a16:creationId xmlns:a16="http://schemas.microsoft.com/office/drawing/2014/main" id="{C78DA54B-37A5-90E5-D6C6-9C5746A597D8}"/>
+                <a16:creationId xmlns:a16="http://schemas.microsoft.com/office/drawing/2014/main" id="{E34A5576-9B59-C6F4-3F81-8389AAB6D6A8}"/>
               </a:ext>
             </a:extLst>
           </p:cNvPr>
@@ -1380,7 +1380,7 @@
           <p:cNvPr id="5" name="日期占位符 4">
             <a:extLst>
               <a:ext uri="{FF2B5EF4-FFF2-40B4-BE49-F238E27FC236}">
-                <a16:creationId xmlns:a16="http://schemas.microsoft.com/office/drawing/2014/main" id="{07FD7EB2-6008-D55F-263F-B22E9399A620}"/>
+                <a16:creationId xmlns:a16="http://schemas.microsoft.com/office/drawing/2014/main" id="{D29B4352-7EC6-4EFD-983F-72B8337E2312}"/>
               </a:ext>
             </a:extLst>
           </p:cNvPr>
@@ -1396,7 +1396,7 @@
           <a:bodyPr/>
           <a:lstStyle/>
           <a:p>
-            <a:fld id="{D4299100-7A32-4196-9FB7-54E97756DE93}" type="datetimeFigureOut">
+            <a:fld id="{7D4A6774-19A9-4E0A-BBC0-B297D1DBF7B6}" type="datetimeFigureOut">
               <a:rPr lang="zh-CN" altLang="en-US" smtClean="0"/>
               <a:t>2024/3/10</a:t>
             </a:fld>
@@ -1409,7 +1409,7 @@
           <p:cNvPr id="6" name="页脚占位符 5">
             <a:extLst>
               <a:ext uri="{FF2B5EF4-FFF2-40B4-BE49-F238E27FC236}">
-                <a16:creationId xmlns:a16="http://schemas.microsoft.com/office/drawing/2014/main" id="{BD63C483-0368-DA27-09A9-92300DA92544}"/>
+                <a16:creationId xmlns:a16="http://schemas.microsoft.com/office/drawing/2014/main" id="{C7109B7F-55C7-D415-BD81-FE5EC0BC2A01}"/>
               </a:ext>
             </a:extLst>
           </p:cNvPr>
@@ -1434,7 +1434,7 @@
           <p:cNvPr id="7" name="灯片编号占位符 6">
             <a:extLst>
               <a:ext uri="{FF2B5EF4-FFF2-40B4-BE49-F238E27FC236}">
-                <a16:creationId xmlns:a16="http://schemas.microsoft.com/office/drawing/2014/main" id="{CD7AC270-2C5C-DEC2-BC2A-B6ADECF17F01}"/>
+                <a16:creationId xmlns:a16="http://schemas.microsoft.com/office/drawing/2014/main" id="{EDBF110A-810D-B9C6-7D50-FD0A15C0CBD7}"/>
               </a:ext>
             </a:extLst>
           </p:cNvPr>
@@ -1450,7 +1450,7 @@
           <a:bodyPr/>
           <a:lstStyle/>
           <a:p>
-            <a:fld id="{8CD62D8B-A3AB-4696-B321-57785ADC1CE4}" type="slidenum">
+            <a:fld id="{F7B321FB-4C4D-4F2E-B54A-CCCC9835FA84}" type="slidenum">
               <a:rPr lang="zh-CN" altLang="en-US" smtClean="0"/>
               <a:t>‹#›</a:t>
             </a:fld>
@@ -1461,7 +1461,7 @@
     </p:spTree>
     <p:extLst>
       <p:ext uri="{BB962C8B-B14F-4D97-AF65-F5344CB8AC3E}">
-        <p14:creationId xmlns:p14="http://schemas.microsoft.com/office/powerpoint/2010/main" val="1827237657"/>
+        <p14:creationId xmlns:p14="http://schemas.microsoft.com/office/powerpoint/2010/main" val="1522920420"/>
       </p:ext>
     </p:extLst>
   </p:cSld>
@@ -1493,7 +1493,7 @@
           <p:cNvPr id="2" name="标题 1">
             <a:extLst>
               <a:ext uri="{FF2B5EF4-FFF2-40B4-BE49-F238E27FC236}">
-                <a16:creationId xmlns:a16="http://schemas.microsoft.com/office/drawing/2014/main" id="{9BA1E1BD-4CD1-35EF-713D-9173C58B2FFB}"/>
+                <a16:creationId xmlns:a16="http://schemas.microsoft.com/office/drawing/2014/main" id="{47FC038A-A3D6-BF01-A673-FA3C64DDAC14}"/>
               </a:ext>
             </a:extLst>
           </p:cNvPr>
@@ -1526,7 +1526,7 @@
           <p:cNvPr id="3" name="文本占位符 2">
             <a:extLst>
               <a:ext uri="{FF2B5EF4-FFF2-40B4-BE49-F238E27FC236}">
-                <a16:creationId xmlns:a16="http://schemas.microsoft.com/office/drawing/2014/main" id="{B29781B3-93AE-EAE1-7CDB-FFAFA824E0ED}"/>
+                <a16:creationId xmlns:a16="http://schemas.microsoft.com/office/drawing/2014/main" id="{34BAA87C-1E2C-80F1-533B-C06C4F4645A9}"/>
               </a:ext>
             </a:extLst>
           </p:cNvPr>
@@ -1597,7 +1597,7 @@
           <p:cNvPr id="4" name="内容占位符 3">
             <a:extLst>
               <a:ext uri="{FF2B5EF4-FFF2-40B4-BE49-F238E27FC236}">
-                <a16:creationId xmlns:a16="http://schemas.microsoft.com/office/drawing/2014/main" id="{8FEE0D69-967E-DEB8-F830-D8DD2A88191E}"/>
+                <a16:creationId xmlns:a16="http://schemas.microsoft.com/office/drawing/2014/main" id="{D178A053-F0A1-FC86-641E-3C0E87984B81}"/>
               </a:ext>
             </a:extLst>
           </p:cNvPr>
@@ -1659,7 +1659,7 @@
           <p:cNvPr id="5" name="文本占位符 4">
             <a:extLst>
               <a:ext uri="{FF2B5EF4-FFF2-40B4-BE49-F238E27FC236}">
-                <a16:creationId xmlns:a16="http://schemas.microsoft.com/office/drawing/2014/main" id="{48C14B88-43A9-6CD5-7E7C-6453436C78FD}"/>
+                <a16:creationId xmlns:a16="http://schemas.microsoft.com/office/drawing/2014/main" id="{5970A252-F938-7F03-92EF-D470E5083008}"/>
               </a:ext>
             </a:extLst>
           </p:cNvPr>
@@ -1730,7 +1730,7 @@
           <p:cNvPr id="6" name="内容占位符 5">
             <a:extLst>
               <a:ext uri="{FF2B5EF4-FFF2-40B4-BE49-F238E27FC236}">
-                <a16:creationId xmlns:a16="http://schemas.microsoft.com/office/drawing/2014/main" id="{73A62F64-ABF4-97D6-8C48-20823EB2DD09}"/>
+                <a16:creationId xmlns:a16="http://schemas.microsoft.com/office/drawing/2014/main" id="{4C753D69-CD33-3872-6763-337B2DEBC5F5}"/>
               </a:ext>
             </a:extLst>
           </p:cNvPr>
@@ -1792,7 +1792,7 @@
           <p:cNvPr id="7" name="日期占位符 6">
             <a:extLst>
               <a:ext uri="{FF2B5EF4-FFF2-40B4-BE49-F238E27FC236}">
-                <a16:creationId xmlns:a16="http://schemas.microsoft.com/office/drawing/2014/main" id="{8C90F423-9B5D-1CDC-619B-2C5546B283F8}"/>
+                <a16:creationId xmlns:a16="http://schemas.microsoft.com/office/drawing/2014/main" id="{60D0AF47-9526-98FB-D906-FA709814A3C3}"/>
               </a:ext>
             </a:extLst>
           </p:cNvPr>
@@ -1808,7 +1808,7 @@
           <a:bodyPr/>
           <a:lstStyle/>
           <a:p>
-            <a:fld id="{D4299100-7A32-4196-9FB7-54E97756DE93}" type="datetimeFigureOut">
+            <a:fld id="{7D4A6774-19A9-4E0A-BBC0-B297D1DBF7B6}" type="datetimeFigureOut">
               <a:rPr lang="zh-CN" altLang="en-US" smtClean="0"/>
               <a:t>2024/3/10</a:t>
             </a:fld>
@@ -1821,7 +1821,7 @@
           <p:cNvPr id="8" name="页脚占位符 7">
             <a:extLst>
               <a:ext uri="{FF2B5EF4-FFF2-40B4-BE49-F238E27FC236}">
-                <a16:creationId xmlns:a16="http://schemas.microsoft.com/office/drawing/2014/main" id="{7E5A2BFD-498F-89E3-44BC-A3A7CE1AA4E3}"/>
+                <a16:creationId xmlns:a16="http://schemas.microsoft.com/office/drawing/2014/main" id="{C726075E-BD0E-3BAB-6377-71A31ADFE102}"/>
               </a:ext>
             </a:extLst>
           </p:cNvPr>
@@ -1846,7 +1846,7 @@
           <p:cNvPr id="9" name="灯片编号占位符 8">
             <a:extLst>
               <a:ext uri="{FF2B5EF4-FFF2-40B4-BE49-F238E27FC236}">
-                <a16:creationId xmlns:a16="http://schemas.microsoft.com/office/drawing/2014/main" id="{0758CE48-5D35-74BA-BF7C-E3A1146A8102}"/>
+                <a16:creationId xmlns:a16="http://schemas.microsoft.com/office/drawing/2014/main" id="{9BDE7603-37FB-6A58-9819-BD2BBBDE78B6}"/>
               </a:ext>
             </a:extLst>
           </p:cNvPr>
@@ -1862,7 +1862,7 @@
           <a:bodyPr/>
           <a:lstStyle/>
           <a:p>
-            <a:fld id="{8CD62D8B-A3AB-4696-B321-57785ADC1CE4}" type="slidenum">
+            <a:fld id="{F7B321FB-4C4D-4F2E-B54A-CCCC9835FA84}" type="slidenum">
               <a:rPr lang="zh-CN" altLang="en-US" smtClean="0"/>
               <a:t>‹#›</a:t>
             </a:fld>
@@ -1873,7 +1873,7 @@
     </p:spTree>
     <p:extLst>
       <p:ext uri="{BB962C8B-B14F-4D97-AF65-F5344CB8AC3E}">
-        <p14:creationId xmlns:p14="http://schemas.microsoft.com/office/powerpoint/2010/main" val="1585056889"/>
+        <p14:creationId xmlns:p14="http://schemas.microsoft.com/office/powerpoint/2010/main" val="2606793511"/>
       </p:ext>
     </p:extLst>
   </p:cSld>
@@ -1905,7 +1905,7 @@
           <p:cNvPr id="2" name="标题 1">
             <a:extLst>
               <a:ext uri="{FF2B5EF4-FFF2-40B4-BE49-F238E27FC236}">
-                <a16:creationId xmlns:a16="http://schemas.microsoft.com/office/drawing/2014/main" id="{92C3BA85-F9BC-8BDD-8E65-EE13EEC2E2EC}"/>
+                <a16:creationId xmlns:a16="http://schemas.microsoft.com/office/drawing/2014/main" id="{B16E9B65-8984-0A70-53F4-54A4867FBD46}"/>
               </a:ext>
             </a:extLst>
           </p:cNvPr>
@@ -1933,7 +1933,7 @@
           <p:cNvPr id="3" name="日期占位符 2">
             <a:extLst>
               <a:ext uri="{FF2B5EF4-FFF2-40B4-BE49-F238E27FC236}">
-                <a16:creationId xmlns:a16="http://schemas.microsoft.com/office/drawing/2014/main" id="{A721E3F0-393B-D3FC-04D4-434F0E98F1FE}"/>
+                <a16:creationId xmlns:a16="http://schemas.microsoft.com/office/drawing/2014/main" id="{9FF5F001-CBFB-B8F2-57D3-5A0665FA2F7C}"/>
               </a:ext>
             </a:extLst>
           </p:cNvPr>
@@ -1949,7 +1949,7 @@
           <a:bodyPr/>
           <a:lstStyle/>
           <a:p>
-            <a:fld id="{D4299100-7A32-4196-9FB7-54E97756DE93}" type="datetimeFigureOut">
+            <a:fld id="{7D4A6774-19A9-4E0A-BBC0-B297D1DBF7B6}" type="datetimeFigureOut">
               <a:rPr lang="zh-CN" altLang="en-US" smtClean="0"/>
               <a:t>2024/3/10</a:t>
             </a:fld>
@@ -1962,7 +1962,7 @@
           <p:cNvPr id="4" name="页脚占位符 3">
             <a:extLst>
               <a:ext uri="{FF2B5EF4-FFF2-40B4-BE49-F238E27FC236}">
-                <a16:creationId xmlns:a16="http://schemas.microsoft.com/office/drawing/2014/main" id="{E4C48DF4-FD2F-2EFE-0ADF-CB35B009C985}"/>
+                <a16:creationId xmlns:a16="http://schemas.microsoft.com/office/drawing/2014/main" id="{779EC35F-0F14-41CC-9B4E-8761E9930056}"/>
               </a:ext>
             </a:extLst>
           </p:cNvPr>
@@ -1987,7 +1987,7 @@
           <p:cNvPr id="5" name="灯片编号占位符 4">
             <a:extLst>
               <a:ext uri="{FF2B5EF4-FFF2-40B4-BE49-F238E27FC236}">
-                <a16:creationId xmlns:a16="http://schemas.microsoft.com/office/drawing/2014/main" id="{3AD0C5CF-503B-0DC1-5F0A-AF8861DB46A0}"/>
+                <a16:creationId xmlns:a16="http://schemas.microsoft.com/office/drawing/2014/main" id="{74B7F64A-6C64-C173-A501-590D674D2640}"/>
               </a:ext>
             </a:extLst>
           </p:cNvPr>
@@ -2003,7 +2003,7 @@
           <a:bodyPr/>
           <a:lstStyle/>
           <a:p>
-            <a:fld id="{8CD62D8B-A3AB-4696-B321-57785ADC1CE4}" type="slidenum">
+            <a:fld id="{F7B321FB-4C4D-4F2E-B54A-CCCC9835FA84}" type="slidenum">
               <a:rPr lang="zh-CN" altLang="en-US" smtClean="0"/>
               <a:t>‹#›</a:t>
             </a:fld>
@@ -2014,7 +2014,7 @@
     </p:spTree>
     <p:extLst>
       <p:ext uri="{BB962C8B-B14F-4D97-AF65-F5344CB8AC3E}">
-        <p14:creationId xmlns:p14="http://schemas.microsoft.com/office/powerpoint/2010/main" val="965911378"/>
+        <p14:creationId xmlns:p14="http://schemas.microsoft.com/office/powerpoint/2010/main" val="3921065521"/>
       </p:ext>
     </p:extLst>
   </p:cSld>
@@ -2046,7 +2046,7 @@
           <p:cNvPr id="2" name="日期占位符 1">
             <a:extLst>
               <a:ext uri="{FF2B5EF4-FFF2-40B4-BE49-F238E27FC236}">
-                <a16:creationId xmlns:a16="http://schemas.microsoft.com/office/drawing/2014/main" id="{A84495D6-A112-8E5F-8ACE-0A7664213CF2}"/>
+                <a16:creationId xmlns:a16="http://schemas.microsoft.com/office/drawing/2014/main" id="{77D318D8-9198-4670-F308-0378918BDB0A}"/>
               </a:ext>
             </a:extLst>
           </p:cNvPr>
@@ -2062,7 +2062,7 @@
           <a:bodyPr/>
           <a:lstStyle/>
           <a:p>
-            <a:fld id="{D4299100-7A32-4196-9FB7-54E97756DE93}" type="datetimeFigureOut">
+            <a:fld id="{7D4A6774-19A9-4E0A-BBC0-B297D1DBF7B6}" type="datetimeFigureOut">
               <a:rPr lang="zh-CN" altLang="en-US" smtClean="0"/>
               <a:t>2024/3/10</a:t>
             </a:fld>
@@ -2075,7 +2075,7 @@
           <p:cNvPr id="3" name="页脚占位符 2">
             <a:extLst>
               <a:ext uri="{FF2B5EF4-FFF2-40B4-BE49-F238E27FC236}">
-                <a16:creationId xmlns:a16="http://schemas.microsoft.com/office/drawing/2014/main" id="{829ADF98-3D3C-537C-A8C3-3CA87A39E719}"/>
+                <a16:creationId xmlns:a16="http://schemas.microsoft.com/office/drawing/2014/main" id="{3DDF86E8-2CE1-16A4-4A8C-EBFB91FD7568}"/>
               </a:ext>
             </a:extLst>
           </p:cNvPr>
@@ -2100,7 +2100,7 @@
           <p:cNvPr id="4" name="灯片编号占位符 3">
             <a:extLst>
               <a:ext uri="{FF2B5EF4-FFF2-40B4-BE49-F238E27FC236}">
-                <a16:creationId xmlns:a16="http://schemas.microsoft.com/office/drawing/2014/main" id="{E62A999A-5DBC-F312-8749-03DDF21AA5C0}"/>
+                <a16:creationId xmlns:a16="http://schemas.microsoft.com/office/drawing/2014/main" id="{F3EFD801-57B8-2B6D-D6EC-46872E0EEE43}"/>
               </a:ext>
             </a:extLst>
           </p:cNvPr>
@@ -2116,7 +2116,7 @@
           <a:bodyPr/>
           <a:lstStyle/>
           <a:p>
-            <a:fld id="{8CD62D8B-A3AB-4696-B321-57785ADC1CE4}" type="slidenum">
+            <a:fld id="{F7B321FB-4C4D-4F2E-B54A-CCCC9835FA84}" type="slidenum">
               <a:rPr lang="zh-CN" altLang="en-US" smtClean="0"/>
               <a:t>‹#›</a:t>
             </a:fld>
@@ -2127,7 +2127,7 @@
     </p:spTree>
     <p:extLst>
       <p:ext uri="{BB962C8B-B14F-4D97-AF65-F5344CB8AC3E}">
-        <p14:creationId xmlns:p14="http://schemas.microsoft.com/office/powerpoint/2010/main" val="787018753"/>
+        <p14:creationId xmlns:p14="http://schemas.microsoft.com/office/powerpoint/2010/main" val="621629353"/>
       </p:ext>
     </p:extLst>
   </p:cSld>
@@ -2159,7 +2159,7 @@
           <p:cNvPr id="2" name="标题 1">
             <a:extLst>
               <a:ext uri="{FF2B5EF4-FFF2-40B4-BE49-F238E27FC236}">
-                <a16:creationId xmlns:a16="http://schemas.microsoft.com/office/drawing/2014/main" id="{8D1F8C40-75A4-7956-BF68-2AA03F6E71FE}"/>
+                <a16:creationId xmlns:a16="http://schemas.microsoft.com/office/drawing/2014/main" id="{F6CB7EEA-7B5F-D424-2045-E26CE25C2CE7}"/>
               </a:ext>
             </a:extLst>
           </p:cNvPr>
@@ -2196,7 +2196,7 @@
           <p:cNvPr id="3" name="内容占位符 2">
             <a:extLst>
               <a:ext uri="{FF2B5EF4-FFF2-40B4-BE49-F238E27FC236}">
-                <a16:creationId xmlns:a16="http://schemas.microsoft.com/office/drawing/2014/main" id="{07D4B865-2A88-1B8B-8C8A-4D4E05F99720}"/>
+                <a16:creationId xmlns:a16="http://schemas.microsoft.com/office/drawing/2014/main" id="{2E462AEC-9CAE-55DB-36AE-1C890C18B66F}"/>
               </a:ext>
             </a:extLst>
           </p:cNvPr>
@@ -2286,7 +2286,7 @@
           <p:cNvPr id="4" name="文本占位符 3">
             <a:extLst>
               <a:ext uri="{FF2B5EF4-FFF2-40B4-BE49-F238E27FC236}">
-                <a16:creationId xmlns:a16="http://schemas.microsoft.com/office/drawing/2014/main" id="{81D1F309-0C07-A1A4-EB2B-932785B0728F}"/>
+                <a16:creationId xmlns:a16="http://schemas.microsoft.com/office/drawing/2014/main" id="{055E672D-6C80-E874-4075-E4EB6E37E5F6}"/>
               </a:ext>
             </a:extLst>
           </p:cNvPr>
@@ -2357,7 +2357,7 @@
           <p:cNvPr id="5" name="日期占位符 4">
             <a:extLst>
               <a:ext uri="{FF2B5EF4-FFF2-40B4-BE49-F238E27FC236}">
-                <a16:creationId xmlns:a16="http://schemas.microsoft.com/office/drawing/2014/main" id="{3A466441-BE42-C279-4D9A-F606088936F4}"/>
+                <a16:creationId xmlns:a16="http://schemas.microsoft.com/office/drawing/2014/main" id="{0D3A1B6E-D640-3C6B-931C-50C4FFAACB92}"/>
               </a:ext>
             </a:extLst>
           </p:cNvPr>
@@ -2373,7 +2373,7 @@
           <a:bodyPr/>
           <a:lstStyle/>
           <a:p>
-            <a:fld id="{D4299100-7A32-4196-9FB7-54E97756DE93}" type="datetimeFigureOut">
+            <a:fld id="{7D4A6774-19A9-4E0A-BBC0-B297D1DBF7B6}" type="datetimeFigureOut">
               <a:rPr lang="zh-CN" altLang="en-US" smtClean="0"/>
               <a:t>2024/3/10</a:t>
             </a:fld>
@@ -2386,7 +2386,7 @@
           <p:cNvPr id="6" name="页脚占位符 5">
             <a:extLst>
               <a:ext uri="{FF2B5EF4-FFF2-40B4-BE49-F238E27FC236}">
-                <a16:creationId xmlns:a16="http://schemas.microsoft.com/office/drawing/2014/main" id="{507891D6-2C91-A3B8-5D07-0B2FA43877E3}"/>
+                <a16:creationId xmlns:a16="http://schemas.microsoft.com/office/drawing/2014/main" id="{16DDFE01-1BD8-020B-425F-8A2447B6C13A}"/>
               </a:ext>
             </a:extLst>
           </p:cNvPr>
@@ -2411,7 +2411,7 @@
           <p:cNvPr id="7" name="灯片编号占位符 6">
             <a:extLst>
               <a:ext uri="{FF2B5EF4-FFF2-40B4-BE49-F238E27FC236}">
-                <a16:creationId xmlns:a16="http://schemas.microsoft.com/office/drawing/2014/main" id="{435C1AC5-697E-F076-AC88-861610675AE3}"/>
+                <a16:creationId xmlns:a16="http://schemas.microsoft.com/office/drawing/2014/main" id="{20433070-042E-7871-A101-9C565F7EDC33}"/>
               </a:ext>
             </a:extLst>
           </p:cNvPr>
@@ -2427,7 +2427,7 @@
           <a:bodyPr/>
           <a:lstStyle/>
           <a:p>
-            <a:fld id="{8CD62D8B-A3AB-4696-B321-57785ADC1CE4}" type="slidenum">
+            <a:fld id="{F7B321FB-4C4D-4F2E-B54A-CCCC9835FA84}" type="slidenum">
               <a:rPr lang="zh-CN" altLang="en-US" smtClean="0"/>
               <a:t>‹#›</a:t>
             </a:fld>
@@ -2438,7 +2438,7 @@
     </p:spTree>
     <p:extLst>
       <p:ext uri="{BB962C8B-B14F-4D97-AF65-F5344CB8AC3E}">
-        <p14:creationId xmlns:p14="http://schemas.microsoft.com/office/powerpoint/2010/main" val="2156254972"/>
+        <p14:creationId xmlns:p14="http://schemas.microsoft.com/office/powerpoint/2010/main" val="2918966673"/>
       </p:ext>
     </p:extLst>
   </p:cSld>
@@ -2470,7 +2470,7 @@
           <p:cNvPr id="2" name="标题 1">
             <a:extLst>
               <a:ext uri="{FF2B5EF4-FFF2-40B4-BE49-F238E27FC236}">
-                <a16:creationId xmlns:a16="http://schemas.microsoft.com/office/drawing/2014/main" id="{44572C90-142D-CECE-BB75-B21661EEB350}"/>
+                <a16:creationId xmlns:a16="http://schemas.microsoft.com/office/drawing/2014/main" id="{EB8E1AFA-FA27-D2E1-BB0A-57123AE4DD12}"/>
               </a:ext>
             </a:extLst>
           </p:cNvPr>
@@ -2507,7 +2507,7 @@
           <p:cNvPr id="3" name="图片占位符 2">
             <a:extLst>
               <a:ext uri="{FF2B5EF4-FFF2-40B4-BE49-F238E27FC236}">
-                <a16:creationId xmlns:a16="http://schemas.microsoft.com/office/drawing/2014/main" id="{F497159D-B023-E63A-F81D-80FDFE8A6817}"/>
+                <a16:creationId xmlns:a16="http://schemas.microsoft.com/office/drawing/2014/main" id="{9A808A47-B56A-C08F-DD89-D7269805D14A}"/>
               </a:ext>
             </a:extLst>
           </p:cNvPr>
@@ -2574,7 +2574,7 @@
           <p:cNvPr id="4" name="文本占位符 3">
             <a:extLst>
               <a:ext uri="{FF2B5EF4-FFF2-40B4-BE49-F238E27FC236}">
-                <a16:creationId xmlns:a16="http://schemas.microsoft.com/office/drawing/2014/main" id="{6563CD8A-0079-136E-AB27-401C38ED23CA}"/>
+                <a16:creationId xmlns:a16="http://schemas.microsoft.com/office/drawing/2014/main" id="{ACFAA556-B1E5-E9DF-AB09-11E18F4DBA3A}"/>
               </a:ext>
             </a:extLst>
           </p:cNvPr>
@@ -2645,7 +2645,7 @@
           <p:cNvPr id="5" name="日期占位符 4">
             <a:extLst>
               <a:ext uri="{FF2B5EF4-FFF2-40B4-BE49-F238E27FC236}">
-                <a16:creationId xmlns:a16="http://schemas.microsoft.com/office/drawing/2014/main" id="{AA520CE1-A949-9D76-9189-43C219BDE24F}"/>
+                <a16:creationId xmlns:a16="http://schemas.microsoft.com/office/drawing/2014/main" id="{3150B18C-C46D-80A2-FD0F-E04863AA81F4}"/>
               </a:ext>
             </a:extLst>
           </p:cNvPr>
@@ -2661,7 +2661,7 @@
           <a:bodyPr/>
           <a:lstStyle/>
           <a:p>
-            <a:fld id="{D4299100-7A32-4196-9FB7-54E97756DE93}" type="datetimeFigureOut">
+            <a:fld id="{7D4A6774-19A9-4E0A-BBC0-B297D1DBF7B6}" type="datetimeFigureOut">
               <a:rPr lang="zh-CN" altLang="en-US" smtClean="0"/>
               <a:t>2024/3/10</a:t>
             </a:fld>
@@ -2674,7 +2674,7 @@
           <p:cNvPr id="6" name="页脚占位符 5">
             <a:extLst>
               <a:ext uri="{FF2B5EF4-FFF2-40B4-BE49-F238E27FC236}">
-                <a16:creationId xmlns:a16="http://schemas.microsoft.com/office/drawing/2014/main" id="{9FFB69F8-951B-C87C-78EB-56D8724E78BA}"/>
+                <a16:creationId xmlns:a16="http://schemas.microsoft.com/office/drawing/2014/main" id="{C4F1172E-0599-207A-31AA-7D9647C66D2D}"/>
               </a:ext>
             </a:extLst>
           </p:cNvPr>
@@ -2699,7 +2699,7 @@
           <p:cNvPr id="7" name="灯片编号占位符 6">
             <a:extLst>
               <a:ext uri="{FF2B5EF4-FFF2-40B4-BE49-F238E27FC236}">
-                <a16:creationId xmlns:a16="http://schemas.microsoft.com/office/drawing/2014/main" id="{FA3E962B-C01D-4664-6123-BF694265179C}"/>
+                <a16:creationId xmlns:a16="http://schemas.microsoft.com/office/drawing/2014/main" id="{F1D2C097-2B92-D47E-01F1-950B042E9CE8}"/>
               </a:ext>
             </a:extLst>
           </p:cNvPr>
@@ -2715,7 +2715,7 @@
           <a:bodyPr/>
           <a:lstStyle/>
           <a:p>
-            <a:fld id="{8CD62D8B-A3AB-4696-B321-57785ADC1CE4}" type="slidenum">
+            <a:fld id="{F7B321FB-4C4D-4F2E-B54A-CCCC9835FA84}" type="slidenum">
               <a:rPr lang="zh-CN" altLang="en-US" smtClean="0"/>
               <a:t>‹#›</a:t>
             </a:fld>
@@ -2726,7 +2726,7 @@
     </p:spTree>
     <p:extLst>
       <p:ext uri="{BB962C8B-B14F-4D97-AF65-F5344CB8AC3E}">
-        <p14:creationId xmlns:p14="http://schemas.microsoft.com/office/powerpoint/2010/main" val="839115733"/>
+        <p14:creationId xmlns:p14="http://schemas.microsoft.com/office/powerpoint/2010/main" val="1034533550"/>
       </p:ext>
     </p:extLst>
   </p:cSld>
@@ -2763,7 +2763,7 @@
           <p:cNvPr id="2" name="标题占位符 1">
             <a:extLst>
               <a:ext uri="{FF2B5EF4-FFF2-40B4-BE49-F238E27FC236}">
-                <a16:creationId xmlns:a16="http://schemas.microsoft.com/office/drawing/2014/main" id="{44221238-232A-1913-65F2-D6B263353283}"/>
+                <a16:creationId xmlns:a16="http://schemas.microsoft.com/office/drawing/2014/main" id="{C9FFFA7E-2271-1C14-909A-CA72753FB3DB}"/>
               </a:ext>
             </a:extLst>
           </p:cNvPr>
@@ -2801,7 +2801,7 @@
           <p:cNvPr id="3" name="文本占位符 2">
             <a:extLst>
               <a:ext uri="{FF2B5EF4-FFF2-40B4-BE49-F238E27FC236}">
-                <a16:creationId xmlns:a16="http://schemas.microsoft.com/office/drawing/2014/main" id="{CDFF383D-D5D2-BD72-F005-982DBF9E61F4}"/>
+                <a16:creationId xmlns:a16="http://schemas.microsoft.com/office/drawing/2014/main" id="{25569A9A-908E-75DF-BC73-AAF94E282A8E}"/>
               </a:ext>
             </a:extLst>
           </p:cNvPr>
@@ -2868,7 +2868,7 @@
           <p:cNvPr id="4" name="日期占位符 3">
             <a:extLst>
               <a:ext uri="{FF2B5EF4-FFF2-40B4-BE49-F238E27FC236}">
-                <a16:creationId xmlns:a16="http://schemas.microsoft.com/office/drawing/2014/main" id="{190590C9-462E-296D-11EE-DECDF18B3DE2}"/>
+                <a16:creationId xmlns:a16="http://schemas.microsoft.com/office/drawing/2014/main" id="{AD78D4A8-49F5-9C39-141F-34CC8FFFAD13}"/>
               </a:ext>
             </a:extLst>
           </p:cNvPr>
@@ -2902,7 +2902,7 @@
             </a:lvl1pPr>
           </a:lstStyle>
           <a:p>
-            <a:fld id="{D4299100-7A32-4196-9FB7-54E97756DE93}" type="datetimeFigureOut">
+            <a:fld id="{7D4A6774-19A9-4E0A-BBC0-B297D1DBF7B6}" type="datetimeFigureOut">
               <a:rPr lang="zh-CN" altLang="en-US" smtClean="0"/>
               <a:t>2024/3/10</a:t>
             </a:fld>
@@ -2915,7 +2915,7 @@
           <p:cNvPr id="5" name="页脚占位符 4">
             <a:extLst>
               <a:ext uri="{FF2B5EF4-FFF2-40B4-BE49-F238E27FC236}">
-                <a16:creationId xmlns:a16="http://schemas.microsoft.com/office/drawing/2014/main" id="{AE23BC55-9000-28FF-F5F5-0B9E1879952E}"/>
+                <a16:creationId xmlns:a16="http://schemas.microsoft.com/office/drawing/2014/main" id="{A93F0321-EDCF-9948-494B-94182C3D524F}"/>
               </a:ext>
             </a:extLst>
           </p:cNvPr>
@@ -2958,7 +2958,7 @@
           <p:cNvPr id="6" name="灯片编号占位符 5">
             <a:extLst>
               <a:ext uri="{FF2B5EF4-FFF2-40B4-BE49-F238E27FC236}">
-                <a16:creationId xmlns:a16="http://schemas.microsoft.com/office/drawing/2014/main" id="{D42B53A7-8B61-113D-4A10-79DAEB6B7982}"/>
+                <a16:creationId xmlns:a16="http://schemas.microsoft.com/office/drawing/2014/main" id="{465C64C1-0C97-759B-733E-B3FC6E9CA466}"/>
               </a:ext>
             </a:extLst>
           </p:cNvPr>
@@ -2992,7 +2992,7 @@
             </a:lvl1pPr>
           </a:lstStyle>
           <a:p>
-            <a:fld id="{8CD62D8B-A3AB-4696-B321-57785ADC1CE4}" type="slidenum">
+            <a:fld id="{F7B321FB-4C4D-4F2E-B54A-CCCC9835FA84}" type="slidenum">
               <a:rPr lang="zh-CN" altLang="en-US" smtClean="0"/>
               <a:t>‹#›</a:t>
             </a:fld>
@@ -3003,7 +3003,7 @@
     </p:spTree>
     <p:extLst>
       <p:ext uri="{BB962C8B-B14F-4D97-AF65-F5344CB8AC3E}">
-        <p14:creationId xmlns:p14="http://schemas.microsoft.com/office/powerpoint/2010/main" val="1550879464"/>
+        <p14:creationId xmlns:p14="http://schemas.microsoft.com/office/powerpoint/2010/main" val="1692695085"/>
       </p:ext>
     </p:extLst>
   </p:cSld>
@@ -3323,7 +3323,7 @@
       </p:grpSpPr>
       <p:pic>
         <p:nvPicPr>
-          <p:cNvPr id="1580034" name="Picture 2" descr="1542"/>
+          <p:cNvPr id="1581058" name="Picture 2" descr="1543"/>
           <p:cNvPicPr>
             <a:picLocks noChangeAspect="1" noChangeArrowheads="1"/>
           </p:cNvPicPr>
@@ -3344,8 +3344,8 @@
         </p:blipFill>
         <p:spPr bwMode="auto">
           <a:xfrm>
-            <a:off x="1524000" y="14288"/>
-            <a:ext cx="9124950" cy="6843712"/>
+            <a:off x="1614488" y="0"/>
+            <a:ext cx="9053512" cy="6789738"/>
           </a:xfrm>
           <a:prstGeom prst="rect">
             <a:avLst/>
